--- a/PPT/Data Structures and Algorithm Analysis in Java - Sorting.pptx
+++ b/PPT/Data Structures and Algorithm Analysis in Java - Sorting.pptx
@@ -5,14 +5,20 @@
     <p:sldMasterId id="2147483660" r:id="rId1"/>
   </p:sldMasterIdLst>
   <p:notesMasterIdLst>
-    <p:notesMasterId r:id="rId4"/>
+    <p:notesMasterId r:id="rId10"/>
   </p:notesMasterIdLst>
   <p:handoutMasterIdLst>
-    <p:handoutMasterId r:id="rId5"/>
+    <p:handoutMasterId r:id="rId11"/>
   </p:handoutMasterIdLst>
   <p:sldIdLst>
     <p:sldId id="256" r:id="rId2"/>
     <p:sldId id="257" r:id="rId3"/>
+    <p:sldId id="258" r:id="rId4"/>
+    <p:sldId id="259" r:id="rId5"/>
+    <p:sldId id="260" r:id="rId6"/>
+    <p:sldId id="261" r:id="rId7"/>
+    <p:sldId id="262" r:id="rId8"/>
+    <p:sldId id="263" r:id="rId9"/>
   </p:sldIdLst>
   <p:sldSz cx="9144000" cy="6858000" type="screen4x3"/>
   <p:notesSz cx="6858000" cy="9144000"/>
@@ -3822,11 +3828,7 @@
           <a:p>
             <a:r>
               <a:rPr lang="en-US" altLang="zh-CN" dirty="0" smtClean="0"/>
-              <a:t>--By </a:t>
-            </a:r>
-            <a:r>
-              <a:rPr lang="en-US" altLang="zh-CN" dirty="0" smtClean="0"/>
-              <a:t>Shengli</a:t>
+              <a:t>--By Shengli</a:t>
             </a:r>
           </a:p>
           <a:p>
@@ -5139,6 +5141,1736 @@
     <p:extLst>
       <p:ext uri="{BB962C8B-B14F-4D97-AF65-F5344CB8AC3E}">
         <p14:creationId xmlns:p14="http://schemas.microsoft.com/office/powerpoint/2010/main" val="1599478332"/>
+      </p:ext>
+    </p:extLst>
+  </p:cSld>
+  <p:clrMapOvr>
+    <a:masterClrMapping/>
+  </p:clrMapOvr>
+</p:sld>
+</file>
+
+<file path=ppt/slides/slide3.xml><?xml version="1.0" encoding="utf-8"?>
+<p:sld xmlns:a="http://schemas.openxmlformats.org/drawingml/2006/main" xmlns:r="http://schemas.openxmlformats.org/officeDocument/2006/relationships" xmlns:p="http://schemas.openxmlformats.org/presentationml/2006/main">
+  <p:cSld>
+    <p:spTree>
+      <p:nvGrpSpPr>
+        <p:cNvPr id="1" name=""/>
+        <p:cNvGrpSpPr/>
+        <p:nvPr/>
+      </p:nvGrpSpPr>
+      <p:grpSpPr>
+        <a:xfrm>
+          <a:off x="0" y="0"/>
+          <a:ext cx="0" cy="0"/>
+          <a:chOff x="0" y="0"/>
+          <a:chExt cx="0" cy="0"/>
+        </a:xfrm>
+      </p:grpSpPr>
+      <p:sp>
+        <p:nvSpPr>
+          <p:cNvPr id="2" name="Title 1"/>
+          <p:cNvSpPr>
+            <a:spLocks noGrp="1"/>
+          </p:cNvSpPr>
+          <p:nvPr>
+            <p:ph type="title"/>
+          </p:nvPr>
+        </p:nvSpPr>
+        <p:spPr/>
+        <p:txBody>
+          <a:bodyPr/>
+          <a:lstStyle/>
+          <a:p>
+            <a:r>
+              <a:rPr lang="zh-CN" altLang="en-US" dirty="0" smtClean="0"/>
+              <a:t>堆排序</a:t>
+            </a:r>
+            <a:r>
+              <a:rPr lang="en-US" altLang="zh-CN" dirty="0" smtClean="0"/>
+              <a:t>(Heapsort)</a:t>
+            </a:r>
+            <a:endParaRPr lang="en-US" dirty="0"/>
+          </a:p>
+        </p:txBody>
+      </p:sp>
+      <p:sp>
+        <p:nvSpPr>
+          <p:cNvPr id="3" name="Content Placeholder 2"/>
+          <p:cNvSpPr>
+            <a:spLocks noGrp="1"/>
+          </p:cNvSpPr>
+          <p:nvPr>
+            <p:ph idx="1"/>
+          </p:nvPr>
+        </p:nvSpPr>
+        <p:spPr/>
+        <p:txBody>
+          <a:bodyPr>
+            <a:normAutofit lnSpcReduction="10000"/>
+          </a:bodyPr>
+          <a:lstStyle/>
+          <a:p>
+            <a:r>
+              <a:rPr lang="zh-CN" altLang="en-US" dirty="0"/>
+              <a:t>堆排序是将数据看成是完全二叉树、根据完全二叉树的特性来进行排序的一种算</a:t>
+            </a:r>
+            <a:r>
+              <a:rPr lang="zh-CN" altLang="en-US" dirty="0" smtClean="0"/>
+              <a:t>法</a:t>
+            </a:r>
+            <a:endParaRPr lang="en-US" altLang="zh-CN" dirty="0" smtClean="0"/>
+          </a:p>
+          <a:p>
+            <a:pPr lvl="1"/>
+            <a:r>
+              <a:rPr lang="zh-CN" altLang="en-US" dirty="0" smtClean="0"/>
+              <a:t>大顶堆</a:t>
+            </a:r>
+            <a:endParaRPr lang="en-US" altLang="zh-CN" dirty="0" smtClean="0"/>
+          </a:p>
+          <a:p>
+            <a:pPr lvl="2"/>
+            <a:r>
+              <a:rPr lang="zh-CN" altLang="en-US" dirty="0" smtClean="0"/>
+              <a:t>结点元素不小于子结点</a:t>
+            </a:r>
+            <a:endParaRPr lang="en-US" altLang="zh-CN" dirty="0" smtClean="0"/>
+          </a:p>
+          <a:p>
+            <a:pPr lvl="2"/>
+            <a:r>
+              <a:rPr lang="zh-CN" altLang="en-US" dirty="0" smtClean="0"/>
+              <a:t>根结点最大</a:t>
+            </a:r>
+            <a:endParaRPr lang="en-US" altLang="zh-CN" dirty="0" smtClean="0"/>
+          </a:p>
+          <a:p>
+            <a:pPr lvl="1"/>
+            <a:r>
+              <a:rPr lang="zh-CN" altLang="en-US" dirty="0" smtClean="0"/>
+              <a:t>小顶堆</a:t>
+            </a:r>
+            <a:endParaRPr lang="en-US" altLang="zh-CN" dirty="0" smtClean="0"/>
+          </a:p>
+          <a:p>
+            <a:pPr lvl="2"/>
+            <a:r>
+              <a:rPr lang="zh-CN" altLang="en-US" dirty="0" smtClean="0"/>
+              <a:t>结点元素不大于子结点</a:t>
+            </a:r>
+            <a:endParaRPr lang="en-US" altLang="zh-CN" dirty="0" smtClean="0"/>
+          </a:p>
+          <a:p>
+            <a:pPr lvl="2"/>
+            <a:r>
+              <a:rPr lang="zh-CN" altLang="en-US" dirty="0" smtClean="0"/>
+              <a:t>根结点最小</a:t>
+            </a:r>
+            <a:endParaRPr lang="en-US" altLang="zh-CN" dirty="0" smtClean="0"/>
+          </a:p>
+          <a:p>
+            <a:endParaRPr lang="en-US" altLang="zh-CN" dirty="0" smtClean="0"/>
+          </a:p>
+          <a:p>
+            <a:r>
+              <a:rPr lang="zh-CN" altLang="en-US" dirty="0" smtClean="0"/>
+              <a:t>完全二叉树</a:t>
+            </a:r>
+            <a:r>
+              <a:rPr lang="en-US" altLang="zh-CN" dirty="0" smtClean="0"/>
+              <a:t>(Complete Binary Tree)</a:t>
+            </a:r>
+          </a:p>
+          <a:p>
+            <a:pPr lvl="1"/>
+            <a:r>
+              <a:rPr lang="zh-CN" altLang="en-US" dirty="0" smtClean="0"/>
+              <a:t>除去最后一层，其它每层都被完全填充，且所有结点左对齐</a:t>
+            </a:r>
+            <a:endParaRPr lang="en-US" dirty="0"/>
+          </a:p>
+        </p:txBody>
+      </p:sp>
+      <p:sp>
+        <p:nvSpPr>
+          <p:cNvPr id="4" name="Date Placeholder 3"/>
+          <p:cNvSpPr>
+            <a:spLocks noGrp="1"/>
+          </p:cNvSpPr>
+          <p:nvPr>
+            <p:ph type="dt" sz="half" idx="10"/>
+          </p:nvPr>
+        </p:nvSpPr>
+        <p:spPr/>
+        <p:txBody>
+          <a:bodyPr/>
+          <a:lstStyle/>
+          <a:p>
+            <a:fld id="{4EE09118-F6C0-44B1-AEB0-E70B108D11CB}" type="datetime1">
+              <a:rPr lang="zh-CN" altLang="en-US" smtClean="0"/>
+              <a:pPr/>
+              <a:t>2019/8/2</a:t>
+            </a:fld>
+            <a:endParaRPr lang="zh-CN" altLang="en-US"/>
+          </a:p>
+        </p:txBody>
+      </p:sp>
+      <p:sp>
+        <p:nvSpPr>
+          <p:cNvPr id="5" name="Slide Number Placeholder 4"/>
+          <p:cNvSpPr>
+            <a:spLocks noGrp="1"/>
+          </p:cNvSpPr>
+          <p:nvPr>
+            <p:ph type="sldNum" sz="quarter" idx="12"/>
+          </p:nvPr>
+        </p:nvSpPr>
+        <p:spPr/>
+        <p:txBody>
+          <a:bodyPr/>
+          <a:lstStyle/>
+          <a:p>
+            <a:fld id="{B3D1565B-4E83-45B7-9B19-292BF6FE1A2E}" type="slidenum">
+              <a:rPr lang="zh-CN" altLang="en-US" smtClean="0"/>
+              <a:pPr/>
+              <a:t>3</a:t>
+            </a:fld>
+            <a:endParaRPr lang="zh-CN" altLang="en-US"/>
+          </a:p>
+        </p:txBody>
+      </p:sp>
+      <p:pic>
+        <p:nvPicPr>
+          <p:cNvPr id="1026" name="Picture 2" descr="https://user-gold-cdn.xitu.io/2018/3/24/1625739a03779fa3?w=312&amp;h=227&amp;f=png&amp;s=2300"/>
+          <p:cNvPicPr>
+            <a:picLocks noChangeAspect="1" noChangeArrowheads="1"/>
+          </p:cNvPicPr>
+          <p:nvPr/>
+        </p:nvPicPr>
+        <p:blipFill>
+          <a:blip r:embed="rId2">
+            <a:extLst>
+              <a:ext uri="{28A0092B-C50C-407E-A947-70E740481C1C}">
+                <a14:useLocalDpi xmlns:a14="http://schemas.microsoft.com/office/drawing/2010/main" val="0"/>
+              </a:ext>
+            </a:extLst>
+          </a:blip>
+          <a:srcRect/>
+          <a:stretch>
+            <a:fillRect/>
+          </a:stretch>
+        </p:blipFill>
+        <p:spPr bwMode="auto">
+          <a:xfrm>
+            <a:off x="5796136" y="2132856"/>
+            <a:ext cx="2971800" cy="2162175"/>
+          </a:xfrm>
+          <a:prstGeom prst="rect">
+            <a:avLst/>
+          </a:prstGeom>
+          <a:noFill/>
+          <a:extLst>
+            <a:ext uri="{909E8E84-426E-40DD-AFC4-6F175D3DCCD1}">
+              <a14:hiddenFill xmlns:a14="http://schemas.microsoft.com/office/drawing/2010/main">
+                <a:solidFill>
+                  <a:srgbClr val="FFFFFF"/>
+                </a:solidFill>
+              </a14:hiddenFill>
+            </a:ext>
+          </a:extLst>
+        </p:spPr>
+      </p:pic>
+    </p:spTree>
+    <p:extLst>
+      <p:ext uri="{BB962C8B-B14F-4D97-AF65-F5344CB8AC3E}">
+        <p14:creationId xmlns:p14="http://schemas.microsoft.com/office/powerpoint/2010/main" val="4101045936"/>
+      </p:ext>
+    </p:extLst>
+  </p:cSld>
+  <p:clrMapOvr>
+    <a:masterClrMapping/>
+  </p:clrMapOvr>
+</p:sld>
+</file>
+
+<file path=ppt/slides/slide4.xml><?xml version="1.0" encoding="utf-8"?>
+<p:sld xmlns:a="http://schemas.openxmlformats.org/drawingml/2006/main" xmlns:r="http://schemas.openxmlformats.org/officeDocument/2006/relationships" xmlns:p="http://schemas.openxmlformats.org/presentationml/2006/main">
+  <p:cSld>
+    <p:spTree>
+      <p:nvGrpSpPr>
+        <p:cNvPr id="1" name=""/>
+        <p:cNvGrpSpPr/>
+        <p:nvPr/>
+      </p:nvGrpSpPr>
+      <p:grpSpPr>
+        <a:xfrm>
+          <a:off x="0" y="0"/>
+          <a:ext cx="0" cy="0"/>
+          <a:chOff x="0" y="0"/>
+          <a:chExt cx="0" cy="0"/>
+        </a:xfrm>
+      </p:grpSpPr>
+      <p:pic>
+        <p:nvPicPr>
+          <p:cNvPr id="6" name="Picture 5"/>
+          <p:cNvPicPr>
+            <a:picLocks noChangeAspect="1"/>
+          </p:cNvPicPr>
+          <p:nvPr/>
+        </p:nvPicPr>
+        <p:blipFill>
+          <a:blip r:embed="rId2">
+            <a:extLst>
+              <a:ext uri="{28A0092B-C50C-407E-A947-70E740481C1C}">
+                <a14:useLocalDpi xmlns:a14="http://schemas.microsoft.com/office/drawing/2010/main" val="0"/>
+              </a:ext>
+            </a:extLst>
+          </a:blip>
+          <a:stretch>
+            <a:fillRect/>
+          </a:stretch>
+        </p:blipFill>
+        <p:spPr>
+          <a:xfrm>
+            <a:off x="2483768" y="2730106"/>
+            <a:ext cx="2714625" cy="2333625"/>
+          </a:xfrm>
+          <a:prstGeom prst="rect">
+            <a:avLst/>
+          </a:prstGeom>
+        </p:spPr>
+      </p:pic>
+      <p:sp>
+        <p:nvSpPr>
+          <p:cNvPr id="2" name="Title 1"/>
+          <p:cNvSpPr>
+            <a:spLocks noGrp="1"/>
+          </p:cNvSpPr>
+          <p:nvPr>
+            <p:ph type="title"/>
+          </p:nvPr>
+        </p:nvSpPr>
+        <p:spPr/>
+        <p:txBody>
+          <a:bodyPr/>
+          <a:lstStyle/>
+          <a:p>
+            <a:r>
+              <a:rPr lang="zh-CN" altLang="en-US" dirty="0"/>
+              <a:t>堆排序</a:t>
+            </a:r>
+            <a:r>
+              <a:rPr lang="en-US" altLang="zh-CN" dirty="0"/>
+              <a:t>(Heapsort)</a:t>
+            </a:r>
+            <a:endParaRPr lang="en-US" dirty="0"/>
+          </a:p>
+        </p:txBody>
+      </p:sp>
+      <p:sp>
+        <p:nvSpPr>
+          <p:cNvPr id="3" name="Content Placeholder 2"/>
+          <p:cNvSpPr>
+            <a:spLocks noGrp="1"/>
+          </p:cNvSpPr>
+          <p:nvPr>
+            <p:ph idx="1"/>
+          </p:nvPr>
+        </p:nvSpPr>
+        <p:spPr/>
+        <p:txBody>
+          <a:bodyPr/>
+          <a:lstStyle/>
+          <a:p>
+            <a:r>
+              <a:rPr lang="zh-CN" altLang="en-US" dirty="0" smtClean="0"/>
+              <a:t>数组的方式存储完全二叉树</a:t>
+            </a:r>
+            <a:endParaRPr lang="en-US" altLang="zh-CN" dirty="0" smtClean="0"/>
+          </a:p>
+          <a:p>
+            <a:pPr lvl="1"/>
+            <a:r>
+              <a:rPr lang="en-US" altLang="zh-CN" dirty="0"/>
+              <a:t>a</a:t>
+            </a:r>
+            <a:r>
+              <a:rPr lang="en-US" altLang="zh-CN" dirty="0" smtClean="0"/>
+              <a:t>rray[</a:t>
+            </a:r>
+            <a:r>
+              <a:rPr lang="en-US" altLang="zh-CN" dirty="0" err="1" smtClean="0"/>
+              <a:t>i</a:t>
+            </a:r>
+            <a:r>
+              <a:rPr lang="en-US" altLang="zh-CN" dirty="0" smtClean="0"/>
+              <a:t>]</a:t>
+            </a:r>
+            <a:r>
+              <a:rPr lang="zh-CN" altLang="en-US" dirty="0" smtClean="0"/>
+              <a:t>的左子节点是</a:t>
+            </a:r>
+            <a:r>
+              <a:rPr lang="en-US" altLang="zh-CN" dirty="0" smtClean="0"/>
+              <a:t>array[2*i+1]</a:t>
+            </a:r>
+          </a:p>
+          <a:p>
+            <a:pPr lvl="1"/>
+            <a:r>
+              <a:rPr lang="en-US" dirty="0"/>
+              <a:t>a</a:t>
+            </a:r>
+            <a:r>
+              <a:rPr lang="en-US" dirty="0" smtClean="0"/>
+              <a:t>rray[</a:t>
+            </a:r>
+            <a:r>
+              <a:rPr lang="en-US" dirty="0" err="1" smtClean="0"/>
+              <a:t>i</a:t>
+            </a:r>
+            <a:r>
+              <a:rPr lang="en-US" dirty="0" smtClean="0"/>
+              <a:t>]</a:t>
+            </a:r>
+            <a:r>
+              <a:rPr lang="zh-CN" altLang="en-US" dirty="0" smtClean="0"/>
+              <a:t>的右子节点是</a:t>
+            </a:r>
+            <a:r>
+              <a:rPr lang="en-US" altLang="zh-CN" dirty="0" smtClean="0"/>
+              <a:t>array[2*i+2]</a:t>
+            </a:r>
+            <a:endParaRPr lang="en-US" dirty="0"/>
+          </a:p>
+        </p:txBody>
+      </p:sp>
+      <p:sp>
+        <p:nvSpPr>
+          <p:cNvPr id="4" name="Date Placeholder 3"/>
+          <p:cNvSpPr>
+            <a:spLocks noGrp="1"/>
+          </p:cNvSpPr>
+          <p:nvPr>
+            <p:ph type="dt" sz="half" idx="10"/>
+          </p:nvPr>
+        </p:nvSpPr>
+        <p:spPr/>
+        <p:txBody>
+          <a:bodyPr/>
+          <a:lstStyle/>
+          <a:p>
+            <a:fld id="{4EE09118-F6C0-44B1-AEB0-E70B108D11CB}" type="datetime1">
+              <a:rPr lang="zh-CN" altLang="en-US" smtClean="0"/>
+              <a:pPr/>
+              <a:t>2019/8/2</a:t>
+            </a:fld>
+            <a:endParaRPr lang="zh-CN" altLang="en-US"/>
+          </a:p>
+        </p:txBody>
+      </p:sp>
+      <p:sp>
+        <p:nvSpPr>
+          <p:cNvPr id="5" name="Slide Number Placeholder 4"/>
+          <p:cNvSpPr>
+            <a:spLocks noGrp="1"/>
+          </p:cNvSpPr>
+          <p:nvPr>
+            <p:ph type="sldNum" sz="quarter" idx="12"/>
+          </p:nvPr>
+        </p:nvSpPr>
+        <p:spPr/>
+        <p:txBody>
+          <a:bodyPr/>
+          <a:lstStyle/>
+          <a:p>
+            <a:fld id="{B3D1565B-4E83-45B7-9B19-292BF6FE1A2E}" type="slidenum">
+              <a:rPr lang="zh-CN" altLang="en-US" smtClean="0"/>
+              <a:pPr/>
+              <a:t>4</a:t>
+            </a:fld>
+            <a:endParaRPr lang="zh-CN" altLang="en-US"/>
+          </a:p>
+        </p:txBody>
+      </p:sp>
+      <p:graphicFrame>
+        <p:nvGraphicFramePr>
+          <p:cNvPr id="7" name="Table 6"/>
+          <p:cNvGraphicFramePr>
+            <a:graphicFrameLocks noGrp="1"/>
+          </p:cNvGraphicFramePr>
+          <p:nvPr>
+            <p:extLst>
+              <p:ext uri="{D42A27DB-BD31-4B8C-83A1-F6EECF244321}">
+                <p14:modId xmlns:p14="http://schemas.microsoft.com/office/powerpoint/2010/main" val="1128259057"/>
+              </p:ext>
+            </p:extLst>
+          </p:nvPr>
+        </p:nvGraphicFramePr>
+        <p:xfrm>
+          <a:off x="2606103" y="5157192"/>
+          <a:ext cx="2592290" cy="365760"/>
+        </p:xfrm>
+        <a:graphic>
+          <a:graphicData uri="http://schemas.openxmlformats.org/drawingml/2006/table">
+            <a:tbl>
+              <a:tblPr firstRow="1" bandRow="1">
+                <a:tableStyleId>{5C22544A-7EE6-4342-B048-85BDC9FD1C3A}</a:tableStyleId>
+              </a:tblPr>
+              <a:tblGrid>
+                <a:gridCol w="259229"/>
+                <a:gridCol w="259229"/>
+                <a:gridCol w="259229"/>
+                <a:gridCol w="259229"/>
+                <a:gridCol w="259229"/>
+                <a:gridCol w="259229"/>
+                <a:gridCol w="259229"/>
+                <a:gridCol w="259229"/>
+                <a:gridCol w="259229"/>
+                <a:gridCol w="259229"/>
+              </a:tblGrid>
+              <a:tr h="233245">
+                <a:tc>
+                  <a:txBody>
+                    <a:bodyPr/>
+                    <a:lstStyle/>
+                    <a:p>
+                      <a:r>
+                        <a:rPr lang="en-US" dirty="0" smtClean="0"/>
+                        <a:t>5</a:t>
+                      </a:r>
+                      <a:endParaRPr lang="en-US" dirty="0"/>
+                    </a:p>
+                  </a:txBody>
+                  <a:tcPr/>
+                </a:tc>
+                <a:tc>
+                  <a:txBody>
+                    <a:bodyPr/>
+                    <a:lstStyle/>
+                    <a:p>
+                      <a:r>
+                        <a:rPr lang="en-US" dirty="0" smtClean="0"/>
+                        <a:t>2</a:t>
+                      </a:r>
+                      <a:endParaRPr lang="en-US" dirty="0"/>
+                    </a:p>
+                  </a:txBody>
+                  <a:tcPr/>
+                </a:tc>
+                <a:tc>
+                  <a:txBody>
+                    <a:bodyPr/>
+                    <a:lstStyle/>
+                    <a:p>
+                      <a:r>
+                        <a:rPr lang="en-US" dirty="0" smtClean="0"/>
+                        <a:t>6</a:t>
+                      </a:r>
+                      <a:endParaRPr lang="en-US" dirty="0"/>
+                    </a:p>
+                  </a:txBody>
+                  <a:tcPr/>
+                </a:tc>
+                <a:tc>
+                  <a:txBody>
+                    <a:bodyPr/>
+                    <a:lstStyle/>
+                    <a:p>
+                      <a:r>
+                        <a:rPr lang="en-US" dirty="0" smtClean="0"/>
+                        <a:t>0</a:t>
+                      </a:r>
+                      <a:endParaRPr lang="en-US" dirty="0"/>
+                    </a:p>
+                  </a:txBody>
+                  <a:tcPr/>
+                </a:tc>
+                <a:tc>
+                  <a:txBody>
+                    <a:bodyPr/>
+                    <a:lstStyle/>
+                    <a:p>
+                      <a:r>
+                        <a:rPr lang="en-US" dirty="0" smtClean="0"/>
+                        <a:t>3</a:t>
+                      </a:r>
+                      <a:endParaRPr lang="en-US" dirty="0"/>
+                    </a:p>
+                  </a:txBody>
+                  <a:tcPr/>
+                </a:tc>
+                <a:tc>
+                  <a:txBody>
+                    <a:bodyPr/>
+                    <a:lstStyle/>
+                    <a:p>
+                      <a:r>
+                        <a:rPr lang="en-US" dirty="0" smtClean="0"/>
+                        <a:t>9</a:t>
+                      </a:r>
+                      <a:endParaRPr lang="en-US" dirty="0"/>
+                    </a:p>
+                  </a:txBody>
+                  <a:tcPr/>
+                </a:tc>
+                <a:tc>
+                  <a:txBody>
+                    <a:bodyPr/>
+                    <a:lstStyle/>
+                    <a:p>
+                      <a:r>
+                        <a:rPr lang="en-US" dirty="0" smtClean="0"/>
+                        <a:t>1</a:t>
+                      </a:r>
+                      <a:endParaRPr lang="en-US" dirty="0"/>
+                    </a:p>
+                  </a:txBody>
+                  <a:tcPr/>
+                </a:tc>
+                <a:tc>
+                  <a:txBody>
+                    <a:bodyPr/>
+                    <a:lstStyle/>
+                    <a:p>
+                      <a:r>
+                        <a:rPr lang="en-US" dirty="0" smtClean="0"/>
+                        <a:t>7</a:t>
+                      </a:r>
+                      <a:endParaRPr lang="en-US" dirty="0"/>
+                    </a:p>
+                  </a:txBody>
+                  <a:tcPr/>
+                </a:tc>
+                <a:tc>
+                  <a:txBody>
+                    <a:bodyPr/>
+                    <a:lstStyle/>
+                    <a:p>
+                      <a:r>
+                        <a:rPr lang="en-US" dirty="0" smtClean="0"/>
+                        <a:t>4</a:t>
+                      </a:r>
+                      <a:endParaRPr lang="en-US" dirty="0"/>
+                    </a:p>
+                  </a:txBody>
+                  <a:tcPr/>
+                </a:tc>
+                <a:tc>
+                  <a:txBody>
+                    <a:bodyPr/>
+                    <a:lstStyle/>
+                    <a:p>
+                      <a:r>
+                        <a:rPr lang="en-US" dirty="0" smtClean="0"/>
+                        <a:t>8</a:t>
+                      </a:r>
+                      <a:endParaRPr lang="en-US" dirty="0"/>
+                    </a:p>
+                  </a:txBody>
+                  <a:tcPr/>
+                </a:tc>
+              </a:tr>
+            </a:tbl>
+          </a:graphicData>
+        </a:graphic>
+      </p:graphicFrame>
+    </p:spTree>
+    <p:extLst>
+      <p:ext uri="{BB962C8B-B14F-4D97-AF65-F5344CB8AC3E}">
+        <p14:creationId xmlns:p14="http://schemas.microsoft.com/office/powerpoint/2010/main" val="1622813579"/>
+      </p:ext>
+    </p:extLst>
+  </p:cSld>
+  <p:clrMapOvr>
+    <a:masterClrMapping/>
+  </p:clrMapOvr>
+</p:sld>
+</file>
+
+<file path=ppt/slides/slide5.xml><?xml version="1.0" encoding="utf-8"?>
+<p:sld xmlns:a="http://schemas.openxmlformats.org/drawingml/2006/main" xmlns:r="http://schemas.openxmlformats.org/officeDocument/2006/relationships" xmlns:p="http://schemas.openxmlformats.org/presentationml/2006/main">
+  <p:cSld>
+    <p:spTree>
+      <p:nvGrpSpPr>
+        <p:cNvPr id="1" name=""/>
+        <p:cNvGrpSpPr/>
+        <p:nvPr/>
+      </p:nvGrpSpPr>
+      <p:grpSpPr>
+        <a:xfrm>
+          <a:off x="0" y="0"/>
+          <a:ext cx="0" cy="0"/>
+          <a:chOff x="0" y="0"/>
+          <a:chExt cx="0" cy="0"/>
+        </a:xfrm>
+      </p:grpSpPr>
+      <p:sp>
+        <p:nvSpPr>
+          <p:cNvPr id="2" name="Title 1"/>
+          <p:cNvSpPr>
+            <a:spLocks noGrp="1"/>
+          </p:cNvSpPr>
+          <p:nvPr>
+            <p:ph type="title"/>
+          </p:nvPr>
+        </p:nvSpPr>
+        <p:spPr/>
+        <p:txBody>
+          <a:bodyPr/>
+          <a:lstStyle/>
+          <a:p>
+            <a:r>
+              <a:rPr lang="zh-CN" altLang="en-US" dirty="0"/>
+              <a:t>堆排序</a:t>
+            </a:r>
+            <a:r>
+              <a:rPr lang="en-US" altLang="zh-CN" dirty="0"/>
+              <a:t>(Heapsort)</a:t>
+            </a:r>
+            <a:endParaRPr lang="en-US" dirty="0"/>
+          </a:p>
+        </p:txBody>
+      </p:sp>
+      <p:sp>
+        <p:nvSpPr>
+          <p:cNvPr id="3" name="Content Placeholder 2"/>
+          <p:cNvSpPr>
+            <a:spLocks noGrp="1"/>
+          </p:cNvSpPr>
+          <p:nvPr>
+            <p:ph idx="1"/>
+          </p:nvPr>
+        </p:nvSpPr>
+        <p:spPr/>
+        <p:txBody>
+          <a:bodyPr/>
+          <a:lstStyle/>
+          <a:p>
+            <a:r>
+              <a:rPr lang="zh-CN" altLang="en-US" dirty="0"/>
+              <a:t>构</a:t>
+            </a:r>
+            <a:r>
+              <a:rPr lang="zh-CN" altLang="en-US" dirty="0" smtClean="0"/>
+              <a:t>造堆（大顶堆）</a:t>
+            </a:r>
+            <a:endParaRPr lang="en-US" altLang="zh-CN" dirty="0" smtClean="0"/>
+          </a:p>
+          <a:p>
+            <a:pPr lvl="1"/>
+            <a:r>
+              <a:rPr lang="zh-CN" altLang="en-US" dirty="0" smtClean="0"/>
+              <a:t>地扫描所有</a:t>
+            </a:r>
+            <a:r>
+              <a:rPr lang="zh-CN" altLang="en-US" i="1" dirty="0" smtClean="0"/>
+              <a:t>有子节点的</a:t>
+            </a:r>
+            <a:r>
+              <a:rPr lang="zh-CN" altLang="en-US" dirty="0" smtClean="0"/>
+              <a:t>节点</a:t>
+            </a:r>
+            <a:endParaRPr lang="en-US" altLang="zh-CN" dirty="0" smtClean="0"/>
+          </a:p>
+          <a:p>
+            <a:pPr lvl="2"/>
+            <a:r>
+              <a:rPr lang="en-US" altLang="zh-CN" dirty="0" smtClean="0"/>
+              <a:t>n/2</a:t>
+            </a:r>
+            <a:r>
+              <a:rPr lang="zh-CN" altLang="en-US" dirty="0" smtClean="0"/>
+              <a:t>个，</a:t>
+            </a:r>
+            <a:r>
+              <a:rPr lang="en-US" altLang="zh-CN" dirty="0" smtClean="0"/>
+              <a:t>n</a:t>
+            </a:r>
+            <a:r>
+              <a:rPr lang="zh-CN" altLang="en-US" dirty="0" smtClean="0"/>
+              <a:t>是数组的长度</a:t>
+            </a:r>
+            <a:endParaRPr lang="en-US" altLang="zh-CN" dirty="0" smtClean="0"/>
+          </a:p>
+          <a:p>
+            <a:pPr lvl="2"/>
+            <a:r>
+              <a:rPr lang="zh-CN" altLang="en-US" dirty="0"/>
+              <a:t>自下而</a:t>
+            </a:r>
+            <a:r>
+              <a:rPr lang="zh-CN" altLang="en-US" dirty="0" smtClean="0"/>
+              <a:t>上，自右而左</a:t>
+            </a:r>
+            <a:endParaRPr lang="en-US" altLang="zh-CN" dirty="0" smtClean="0"/>
+          </a:p>
+          <a:p>
+            <a:pPr lvl="2"/>
+            <a:r>
+              <a:rPr lang="zh-CN" altLang="en-US" dirty="0"/>
+              <a:t>比</a:t>
+            </a:r>
+            <a:r>
+              <a:rPr lang="zh-CN" altLang="en-US" dirty="0" smtClean="0"/>
+              <a:t>较父结点和左右两个结点，将最大的设为堆顶</a:t>
+            </a:r>
+            <a:endParaRPr lang="en-US" dirty="0"/>
+          </a:p>
+        </p:txBody>
+      </p:sp>
+      <p:sp>
+        <p:nvSpPr>
+          <p:cNvPr id="4" name="Date Placeholder 3"/>
+          <p:cNvSpPr>
+            <a:spLocks noGrp="1"/>
+          </p:cNvSpPr>
+          <p:nvPr>
+            <p:ph type="dt" sz="half" idx="10"/>
+          </p:nvPr>
+        </p:nvSpPr>
+        <p:spPr/>
+        <p:txBody>
+          <a:bodyPr/>
+          <a:lstStyle/>
+          <a:p>
+            <a:fld id="{4EE09118-F6C0-44B1-AEB0-E70B108D11CB}" type="datetime1">
+              <a:rPr lang="zh-CN" altLang="en-US" smtClean="0"/>
+              <a:pPr/>
+              <a:t>2019/8/2</a:t>
+            </a:fld>
+            <a:endParaRPr lang="zh-CN" altLang="en-US"/>
+          </a:p>
+        </p:txBody>
+      </p:sp>
+      <p:sp>
+        <p:nvSpPr>
+          <p:cNvPr id="5" name="Slide Number Placeholder 4"/>
+          <p:cNvSpPr>
+            <a:spLocks noGrp="1"/>
+          </p:cNvSpPr>
+          <p:nvPr>
+            <p:ph type="sldNum" sz="quarter" idx="12"/>
+          </p:nvPr>
+        </p:nvSpPr>
+        <p:spPr/>
+        <p:txBody>
+          <a:bodyPr/>
+          <a:lstStyle/>
+          <a:p>
+            <a:fld id="{B3D1565B-4E83-45B7-9B19-292BF6FE1A2E}" type="slidenum">
+              <a:rPr lang="zh-CN" altLang="en-US" smtClean="0"/>
+              <a:pPr/>
+              <a:t>5</a:t>
+            </a:fld>
+            <a:endParaRPr lang="zh-CN" altLang="en-US"/>
+          </a:p>
+        </p:txBody>
+      </p:sp>
+    </p:spTree>
+    <p:extLst>
+      <p:ext uri="{BB962C8B-B14F-4D97-AF65-F5344CB8AC3E}">
+        <p14:creationId xmlns:p14="http://schemas.microsoft.com/office/powerpoint/2010/main" val="1469006042"/>
+      </p:ext>
+    </p:extLst>
+  </p:cSld>
+  <p:clrMapOvr>
+    <a:masterClrMapping/>
+  </p:clrMapOvr>
+</p:sld>
+</file>
+
+<file path=ppt/slides/slide6.xml><?xml version="1.0" encoding="utf-8"?>
+<p:sld xmlns:a="http://schemas.openxmlformats.org/drawingml/2006/main" xmlns:r="http://schemas.openxmlformats.org/officeDocument/2006/relationships" xmlns:p="http://schemas.openxmlformats.org/presentationml/2006/main">
+  <p:cSld>
+    <p:spTree>
+      <p:nvGrpSpPr>
+        <p:cNvPr id="1" name=""/>
+        <p:cNvGrpSpPr/>
+        <p:nvPr/>
+      </p:nvGrpSpPr>
+      <p:grpSpPr>
+        <a:xfrm>
+          <a:off x="0" y="0"/>
+          <a:ext cx="0" cy="0"/>
+          <a:chOff x="0" y="0"/>
+          <a:chExt cx="0" cy="0"/>
+        </a:xfrm>
+      </p:grpSpPr>
+      <p:sp>
+        <p:nvSpPr>
+          <p:cNvPr id="2" name="Title 1"/>
+          <p:cNvSpPr>
+            <a:spLocks noGrp="1"/>
+          </p:cNvSpPr>
+          <p:nvPr>
+            <p:ph type="title"/>
+          </p:nvPr>
+        </p:nvSpPr>
+        <p:spPr/>
+        <p:txBody>
+          <a:bodyPr/>
+          <a:lstStyle/>
+          <a:p>
+            <a:r>
+              <a:rPr lang="zh-CN" altLang="en-US" dirty="0"/>
+              <a:t>堆排序</a:t>
+            </a:r>
+            <a:r>
+              <a:rPr lang="en-US" altLang="zh-CN" dirty="0"/>
+              <a:t>(Heapsort</a:t>
+            </a:r>
+            <a:r>
+              <a:rPr lang="en-US" altLang="zh-CN" dirty="0" smtClean="0"/>
+              <a:t>) – </a:t>
+            </a:r>
+            <a:r>
+              <a:rPr lang="zh-CN" altLang="en-US" dirty="0" smtClean="0"/>
+              <a:t>构造大顶堆</a:t>
+            </a:r>
+            <a:endParaRPr lang="en-US" dirty="0"/>
+          </a:p>
+        </p:txBody>
+      </p:sp>
+      <p:sp>
+        <p:nvSpPr>
+          <p:cNvPr id="4" name="Date Placeholder 3"/>
+          <p:cNvSpPr>
+            <a:spLocks noGrp="1"/>
+          </p:cNvSpPr>
+          <p:nvPr>
+            <p:ph type="dt" sz="half" idx="10"/>
+          </p:nvPr>
+        </p:nvSpPr>
+        <p:spPr/>
+        <p:txBody>
+          <a:bodyPr/>
+          <a:lstStyle/>
+          <a:p>
+            <a:fld id="{4EE09118-F6C0-44B1-AEB0-E70B108D11CB}" type="datetime1">
+              <a:rPr lang="zh-CN" altLang="en-US" smtClean="0"/>
+              <a:pPr/>
+              <a:t>2019/8/2</a:t>
+            </a:fld>
+            <a:endParaRPr lang="zh-CN" altLang="en-US"/>
+          </a:p>
+        </p:txBody>
+      </p:sp>
+      <p:sp>
+        <p:nvSpPr>
+          <p:cNvPr id="5" name="Slide Number Placeholder 4"/>
+          <p:cNvSpPr>
+            <a:spLocks noGrp="1"/>
+          </p:cNvSpPr>
+          <p:nvPr>
+            <p:ph type="sldNum" sz="quarter" idx="12"/>
+          </p:nvPr>
+        </p:nvSpPr>
+        <p:spPr/>
+        <p:txBody>
+          <a:bodyPr/>
+          <a:lstStyle/>
+          <a:p>
+            <a:fld id="{B3D1565B-4E83-45B7-9B19-292BF6FE1A2E}" type="slidenum">
+              <a:rPr lang="zh-CN" altLang="en-US" smtClean="0"/>
+              <a:pPr/>
+              <a:t>6</a:t>
+            </a:fld>
+            <a:endParaRPr lang="zh-CN" altLang="en-US"/>
+          </a:p>
+        </p:txBody>
+      </p:sp>
+      <p:pic>
+        <p:nvPicPr>
+          <p:cNvPr id="6" name="Picture 5"/>
+          <p:cNvPicPr>
+            <a:picLocks noChangeAspect="1"/>
+          </p:cNvPicPr>
+          <p:nvPr/>
+        </p:nvPicPr>
+        <p:blipFill>
+          <a:blip r:embed="rId2">
+            <a:extLst>
+              <a:ext uri="{28A0092B-C50C-407E-A947-70E740481C1C}">
+                <a14:useLocalDpi xmlns:a14="http://schemas.microsoft.com/office/drawing/2010/main" val="0"/>
+              </a:ext>
+            </a:extLst>
+          </a:blip>
+          <a:stretch>
+            <a:fillRect/>
+          </a:stretch>
+        </p:blipFill>
+        <p:spPr>
+          <a:xfrm>
+            <a:off x="156809" y="980729"/>
+            <a:ext cx="2345403" cy="2016224"/>
+          </a:xfrm>
+          <a:prstGeom prst="rect">
+            <a:avLst/>
+          </a:prstGeom>
+        </p:spPr>
+      </p:pic>
+      <p:pic>
+        <p:nvPicPr>
+          <p:cNvPr id="7" name="Picture 6"/>
+          <p:cNvPicPr>
+            <a:picLocks noChangeAspect="1"/>
+          </p:cNvPicPr>
+          <p:nvPr/>
+        </p:nvPicPr>
+        <p:blipFill>
+          <a:blip r:embed="rId3">
+            <a:extLst>
+              <a:ext uri="{28A0092B-C50C-407E-A947-70E740481C1C}">
+                <a14:useLocalDpi xmlns:a14="http://schemas.microsoft.com/office/drawing/2010/main" val="0"/>
+              </a:ext>
+            </a:extLst>
+          </a:blip>
+          <a:stretch>
+            <a:fillRect/>
+          </a:stretch>
+        </p:blipFill>
+        <p:spPr>
+          <a:xfrm>
+            <a:off x="2987824" y="1075703"/>
+            <a:ext cx="2390523" cy="1929891"/>
+          </a:xfrm>
+          <a:prstGeom prst="rect">
+            <a:avLst/>
+          </a:prstGeom>
+        </p:spPr>
+      </p:pic>
+      <p:pic>
+        <p:nvPicPr>
+          <p:cNvPr id="8" name="Picture 7"/>
+          <p:cNvPicPr>
+            <a:picLocks noChangeAspect="1"/>
+          </p:cNvPicPr>
+          <p:nvPr/>
+        </p:nvPicPr>
+        <p:blipFill>
+          <a:blip r:embed="rId4">
+            <a:extLst>
+              <a:ext uri="{28A0092B-C50C-407E-A947-70E740481C1C}">
+                <a14:useLocalDpi xmlns:a14="http://schemas.microsoft.com/office/drawing/2010/main" val="0"/>
+              </a:ext>
+            </a:extLst>
+          </a:blip>
+          <a:stretch>
+            <a:fillRect/>
+          </a:stretch>
+        </p:blipFill>
+        <p:spPr>
+          <a:xfrm>
+            <a:off x="5652118" y="1021791"/>
+            <a:ext cx="2541007" cy="1965978"/>
+          </a:xfrm>
+          <a:prstGeom prst="rect">
+            <a:avLst/>
+          </a:prstGeom>
+        </p:spPr>
+      </p:pic>
+      <p:pic>
+        <p:nvPicPr>
+          <p:cNvPr id="9" name="Picture 8"/>
+          <p:cNvPicPr>
+            <a:picLocks noChangeAspect="1"/>
+          </p:cNvPicPr>
+          <p:nvPr/>
+        </p:nvPicPr>
+        <p:blipFill>
+          <a:blip r:embed="rId5">
+            <a:extLst>
+              <a:ext uri="{28A0092B-C50C-407E-A947-70E740481C1C}">
+                <a14:useLocalDpi xmlns:a14="http://schemas.microsoft.com/office/drawing/2010/main" val="0"/>
+              </a:ext>
+            </a:extLst>
+          </a:blip>
+          <a:stretch>
+            <a:fillRect/>
+          </a:stretch>
+        </p:blipFill>
+        <p:spPr>
+          <a:xfrm>
+            <a:off x="134596" y="3032957"/>
+            <a:ext cx="2351916" cy="1842334"/>
+          </a:xfrm>
+          <a:prstGeom prst="rect">
+            <a:avLst/>
+          </a:prstGeom>
+        </p:spPr>
+      </p:pic>
+      <p:pic>
+        <p:nvPicPr>
+          <p:cNvPr id="10" name="Picture 9"/>
+          <p:cNvPicPr>
+            <a:picLocks noChangeAspect="1"/>
+          </p:cNvPicPr>
+          <p:nvPr/>
+        </p:nvPicPr>
+        <p:blipFill>
+          <a:blip r:embed="rId6">
+            <a:extLst>
+              <a:ext uri="{28A0092B-C50C-407E-A947-70E740481C1C}">
+                <a14:useLocalDpi xmlns:a14="http://schemas.microsoft.com/office/drawing/2010/main" val="0"/>
+              </a:ext>
+            </a:extLst>
+          </a:blip>
+          <a:stretch>
+            <a:fillRect/>
+          </a:stretch>
+        </p:blipFill>
+        <p:spPr>
+          <a:xfrm>
+            <a:off x="2771800" y="3068962"/>
+            <a:ext cx="2440285" cy="1842334"/>
+          </a:xfrm>
+          <a:prstGeom prst="rect">
+            <a:avLst/>
+          </a:prstGeom>
+        </p:spPr>
+      </p:pic>
+      <p:pic>
+        <p:nvPicPr>
+          <p:cNvPr id="11" name="Picture 10"/>
+          <p:cNvPicPr>
+            <a:picLocks noChangeAspect="1"/>
+          </p:cNvPicPr>
+          <p:nvPr/>
+        </p:nvPicPr>
+        <p:blipFill>
+          <a:blip r:embed="rId7">
+            <a:extLst>
+              <a:ext uri="{28A0092B-C50C-407E-A947-70E740481C1C}">
+                <a14:useLocalDpi xmlns:a14="http://schemas.microsoft.com/office/drawing/2010/main" val="0"/>
+              </a:ext>
+            </a:extLst>
+          </a:blip>
+          <a:stretch>
+            <a:fillRect/>
+          </a:stretch>
+        </p:blipFill>
+        <p:spPr>
+          <a:xfrm>
+            <a:off x="5805350" y="3183789"/>
+            <a:ext cx="2234541" cy="1795473"/>
+          </a:xfrm>
+          <a:prstGeom prst="rect">
+            <a:avLst/>
+          </a:prstGeom>
+        </p:spPr>
+      </p:pic>
+      <p:pic>
+        <p:nvPicPr>
+          <p:cNvPr id="12" name="Picture 11"/>
+          <p:cNvPicPr>
+            <a:picLocks noChangeAspect="1"/>
+          </p:cNvPicPr>
+          <p:nvPr/>
+        </p:nvPicPr>
+        <p:blipFill>
+          <a:blip r:embed="rId8">
+            <a:extLst>
+              <a:ext uri="{28A0092B-C50C-407E-A947-70E740481C1C}">
+                <a14:useLocalDpi xmlns:a14="http://schemas.microsoft.com/office/drawing/2010/main" val="0"/>
+              </a:ext>
+            </a:extLst>
+          </a:blip>
+          <a:stretch>
+            <a:fillRect/>
+          </a:stretch>
+        </p:blipFill>
+        <p:spPr>
+          <a:xfrm>
+            <a:off x="118896" y="4975758"/>
+            <a:ext cx="2383315" cy="1872605"/>
+          </a:xfrm>
+          <a:prstGeom prst="rect">
+            <a:avLst/>
+          </a:prstGeom>
+        </p:spPr>
+      </p:pic>
+      <p:pic>
+        <p:nvPicPr>
+          <p:cNvPr id="13" name="Picture 12"/>
+          <p:cNvPicPr>
+            <a:picLocks noChangeAspect="1"/>
+          </p:cNvPicPr>
+          <p:nvPr/>
+        </p:nvPicPr>
+        <p:blipFill>
+          <a:blip r:embed="rId9">
+            <a:extLst>
+              <a:ext uri="{28A0092B-C50C-407E-A947-70E740481C1C}">
+                <a14:useLocalDpi xmlns:a14="http://schemas.microsoft.com/office/drawing/2010/main" val="0"/>
+              </a:ext>
+            </a:extLst>
+          </a:blip>
+          <a:stretch>
+            <a:fillRect/>
+          </a:stretch>
+        </p:blipFill>
+        <p:spPr>
+          <a:xfrm>
+            <a:off x="2927274" y="5027059"/>
+            <a:ext cx="2242592" cy="1838315"/>
+          </a:xfrm>
+          <a:prstGeom prst="rect">
+            <a:avLst/>
+          </a:prstGeom>
+        </p:spPr>
+      </p:pic>
+      <p:pic>
+        <p:nvPicPr>
+          <p:cNvPr id="14" name="Picture 13"/>
+          <p:cNvPicPr>
+            <a:picLocks noChangeAspect="1"/>
+          </p:cNvPicPr>
+          <p:nvPr/>
+        </p:nvPicPr>
+        <p:blipFill>
+          <a:blip r:embed="rId10">
+            <a:extLst>
+              <a:ext uri="{28A0092B-C50C-407E-A947-70E740481C1C}">
+                <a14:useLocalDpi xmlns:a14="http://schemas.microsoft.com/office/drawing/2010/main" val="0"/>
+              </a:ext>
+            </a:extLst>
+          </a:blip>
+          <a:stretch>
+            <a:fillRect/>
+          </a:stretch>
+        </p:blipFill>
+        <p:spPr>
+          <a:xfrm>
+            <a:off x="5652118" y="5027059"/>
+            <a:ext cx="2304258" cy="1825155"/>
+          </a:xfrm>
+          <a:prstGeom prst="rect">
+            <a:avLst/>
+          </a:prstGeom>
+        </p:spPr>
+      </p:pic>
+      <p:sp>
+        <p:nvSpPr>
+          <p:cNvPr id="15" name="Rounded Rectangle 14"/>
+          <p:cNvSpPr/>
+          <p:nvPr/>
+        </p:nvSpPr>
+        <p:spPr>
+          <a:xfrm>
+            <a:off x="2771801" y="3068963"/>
+            <a:ext cx="5328592" cy="1906796"/>
+          </a:xfrm>
+          <a:prstGeom prst="roundRect">
+            <a:avLst/>
+          </a:prstGeom>
+          <a:noFill/>
+          <a:ln>
+            <a:prstDash val="dash"/>
+          </a:ln>
+        </p:spPr>
+        <p:style>
+          <a:lnRef idx="2">
+            <a:schemeClr val="accent1">
+              <a:shade val="50000"/>
+            </a:schemeClr>
+          </a:lnRef>
+          <a:fillRef idx="1">
+            <a:schemeClr val="accent1"/>
+          </a:fillRef>
+          <a:effectRef idx="0">
+            <a:schemeClr val="accent1"/>
+          </a:effectRef>
+          <a:fontRef idx="minor">
+            <a:schemeClr val="lt1"/>
+          </a:fontRef>
+        </p:style>
+        <p:txBody>
+          <a:bodyPr rtlCol="0" anchor="ctr"/>
+          <a:lstStyle/>
+          <a:p>
+            <a:pPr algn="ctr"/>
+            <a:endParaRPr lang="en-US"/>
+          </a:p>
+        </p:txBody>
+      </p:sp>
+      <p:sp>
+        <p:nvSpPr>
+          <p:cNvPr id="16" name="Rounded Rectangle 15"/>
+          <p:cNvSpPr/>
+          <p:nvPr/>
+        </p:nvSpPr>
+        <p:spPr>
+          <a:xfrm>
+            <a:off x="24436" y="5011763"/>
+            <a:ext cx="5328592" cy="1836600"/>
+          </a:xfrm>
+          <a:prstGeom prst="roundRect">
+            <a:avLst/>
+          </a:prstGeom>
+          <a:noFill/>
+          <a:ln>
+            <a:prstDash val="dash"/>
+          </a:ln>
+        </p:spPr>
+        <p:style>
+          <a:lnRef idx="2">
+            <a:schemeClr val="accent1">
+              <a:shade val="50000"/>
+            </a:schemeClr>
+          </a:lnRef>
+          <a:fillRef idx="1">
+            <a:schemeClr val="accent1"/>
+          </a:fillRef>
+          <a:effectRef idx="0">
+            <a:schemeClr val="accent1"/>
+          </a:effectRef>
+          <a:fontRef idx="minor">
+            <a:schemeClr val="lt1"/>
+          </a:fontRef>
+        </p:style>
+        <p:txBody>
+          <a:bodyPr rtlCol="0" anchor="ctr"/>
+          <a:lstStyle/>
+          <a:p>
+            <a:pPr algn="ctr"/>
+            <a:endParaRPr lang="en-US"/>
+          </a:p>
+        </p:txBody>
+      </p:sp>
+    </p:spTree>
+    <p:extLst>
+      <p:ext uri="{BB962C8B-B14F-4D97-AF65-F5344CB8AC3E}">
+        <p14:creationId xmlns:p14="http://schemas.microsoft.com/office/powerpoint/2010/main" val="2858557024"/>
+      </p:ext>
+    </p:extLst>
+  </p:cSld>
+  <p:clrMapOvr>
+    <a:masterClrMapping/>
+  </p:clrMapOvr>
+</p:sld>
+</file>
+
+<file path=ppt/slides/slide7.xml><?xml version="1.0" encoding="utf-8"?>
+<p:sld xmlns:a="http://schemas.openxmlformats.org/drawingml/2006/main" xmlns:r="http://schemas.openxmlformats.org/officeDocument/2006/relationships" xmlns:p="http://schemas.openxmlformats.org/presentationml/2006/main">
+  <p:cSld>
+    <p:spTree>
+      <p:nvGrpSpPr>
+        <p:cNvPr id="1" name=""/>
+        <p:cNvGrpSpPr/>
+        <p:nvPr/>
+      </p:nvGrpSpPr>
+      <p:grpSpPr>
+        <a:xfrm>
+          <a:off x="0" y="0"/>
+          <a:ext cx="0" cy="0"/>
+          <a:chOff x="0" y="0"/>
+          <a:chExt cx="0" cy="0"/>
+        </a:xfrm>
+      </p:grpSpPr>
+      <p:sp>
+        <p:nvSpPr>
+          <p:cNvPr id="2" name="Title 1"/>
+          <p:cNvSpPr>
+            <a:spLocks noGrp="1"/>
+          </p:cNvSpPr>
+          <p:nvPr>
+            <p:ph type="title"/>
+          </p:nvPr>
+        </p:nvSpPr>
+        <p:spPr/>
+        <p:txBody>
+          <a:bodyPr/>
+          <a:lstStyle/>
+          <a:p>
+            <a:r>
+              <a:rPr lang="zh-CN" altLang="en-US" dirty="0"/>
+              <a:t>堆排序</a:t>
+            </a:r>
+            <a:r>
+              <a:rPr lang="en-US" altLang="zh-CN" dirty="0"/>
+              <a:t>(Heapsort) – </a:t>
+            </a:r>
+            <a:r>
+              <a:rPr lang="zh-CN" altLang="en-US" dirty="0"/>
+              <a:t>基</a:t>
+            </a:r>
+            <a:r>
+              <a:rPr lang="zh-CN" altLang="en-US" dirty="0" smtClean="0"/>
+              <a:t>于大顶堆排序</a:t>
+            </a:r>
+            <a:endParaRPr lang="en-US" dirty="0"/>
+          </a:p>
+        </p:txBody>
+      </p:sp>
+      <p:sp>
+        <p:nvSpPr>
+          <p:cNvPr id="3" name="Content Placeholder 2"/>
+          <p:cNvSpPr>
+            <a:spLocks noGrp="1"/>
+          </p:cNvSpPr>
+          <p:nvPr>
+            <p:ph idx="1"/>
+          </p:nvPr>
+        </p:nvSpPr>
+        <p:spPr/>
+        <p:txBody>
+          <a:bodyPr/>
+          <a:lstStyle/>
+          <a:p>
+            <a:r>
+              <a:rPr lang="zh-CN" altLang="en-US" dirty="0" smtClean="0"/>
+              <a:t>对</a:t>
+            </a:r>
+            <a:r>
+              <a:rPr lang="en-US" altLang="zh-CN" dirty="0" smtClean="0"/>
+              <a:t>Array</a:t>
+            </a:r>
+            <a:r>
+              <a:rPr lang="zh-CN" altLang="en-US" dirty="0" smtClean="0"/>
+              <a:t>排序的步骤</a:t>
+            </a:r>
+            <a:endParaRPr lang="en-US" altLang="zh-CN" dirty="0" smtClean="0"/>
+          </a:p>
+          <a:p>
+            <a:pPr lvl="1"/>
+            <a:r>
+              <a:rPr lang="zh-CN" altLang="en-US" dirty="0" smtClean="0"/>
+              <a:t>将</a:t>
+            </a:r>
+            <a:r>
+              <a:rPr lang="en-US" altLang="zh-CN" dirty="0" smtClean="0"/>
+              <a:t>Array[0…n]</a:t>
+            </a:r>
+            <a:r>
+              <a:rPr lang="zh-CN" altLang="en-US" dirty="0" smtClean="0"/>
+              <a:t>进行堆构造</a:t>
+            </a:r>
+            <a:endParaRPr lang="en-US" altLang="zh-CN" dirty="0" smtClean="0"/>
+          </a:p>
+          <a:p>
+            <a:pPr lvl="1"/>
+            <a:r>
+              <a:rPr lang="zh-CN" altLang="en-US" dirty="0" smtClean="0"/>
+              <a:t>将</a:t>
+            </a:r>
+            <a:r>
+              <a:rPr lang="en-US" altLang="zh-CN" dirty="0" smtClean="0"/>
+              <a:t>Array[0]</a:t>
+            </a:r>
+            <a:r>
+              <a:rPr lang="zh-CN" altLang="en-US" dirty="0" smtClean="0"/>
+              <a:t>和</a:t>
+            </a:r>
+            <a:r>
+              <a:rPr lang="en-US" altLang="zh-CN" dirty="0" smtClean="0"/>
+              <a:t>Array[n]</a:t>
+            </a:r>
+            <a:r>
+              <a:rPr lang="zh-CN" altLang="en-US" dirty="0" smtClean="0"/>
+              <a:t>交换</a:t>
+            </a:r>
+            <a:endParaRPr lang="en-US" altLang="zh-CN" dirty="0" smtClean="0"/>
+          </a:p>
+          <a:p>
+            <a:pPr lvl="1"/>
+            <a:r>
+              <a:rPr lang="zh-CN" altLang="en-US" dirty="0"/>
+              <a:t>将</a:t>
+            </a:r>
+            <a:r>
+              <a:rPr lang="en-US" altLang="zh-CN" dirty="0" smtClean="0"/>
+              <a:t>Array[0…n-1]</a:t>
+            </a:r>
+            <a:r>
+              <a:rPr lang="zh-CN" altLang="en-US" dirty="0"/>
+              <a:t>进行堆构造</a:t>
+            </a:r>
+            <a:endParaRPr lang="en-US" altLang="zh-CN" dirty="0"/>
+          </a:p>
+          <a:p>
+            <a:pPr lvl="1"/>
+            <a:r>
+              <a:rPr lang="zh-CN" altLang="en-US" dirty="0"/>
+              <a:t>将</a:t>
+            </a:r>
+            <a:r>
+              <a:rPr lang="en-US" altLang="zh-CN" dirty="0"/>
+              <a:t>Array[0]</a:t>
+            </a:r>
+            <a:r>
+              <a:rPr lang="zh-CN" altLang="en-US" dirty="0"/>
+              <a:t>和</a:t>
+            </a:r>
+            <a:r>
+              <a:rPr lang="en-US" altLang="zh-CN" dirty="0" smtClean="0"/>
+              <a:t>Array[n-1]</a:t>
+            </a:r>
+            <a:r>
+              <a:rPr lang="zh-CN" altLang="en-US" dirty="0"/>
+              <a:t>交换</a:t>
+            </a:r>
+            <a:endParaRPr lang="en-US" altLang="zh-CN" dirty="0"/>
+          </a:p>
+          <a:p>
+            <a:pPr lvl="1"/>
+            <a:r>
+              <a:rPr lang="en-US" altLang="zh-CN" dirty="0" smtClean="0"/>
+              <a:t>…</a:t>
+            </a:r>
+          </a:p>
+          <a:p>
+            <a:pPr lvl="1"/>
+            <a:endParaRPr lang="en-US" dirty="0"/>
+          </a:p>
+        </p:txBody>
+      </p:sp>
+      <p:sp>
+        <p:nvSpPr>
+          <p:cNvPr id="4" name="Date Placeholder 3"/>
+          <p:cNvSpPr>
+            <a:spLocks noGrp="1"/>
+          </p:cNvSpPr>
+          <p:nvPr>
+            <p:ph type="dt" sz="half" idx="10"/>
+          </p:nvPr>
+        </p:nvSpPr>
+        <p:spPr/>
+        <p:txBody>
+          <a:bodyPr/>
+          <a:lstStyle/>
+          <a:p>
+            <a:fld id="{4EE09118-F6C0-44B1-AEB0-E70B108D11CB}" type="datetime1">
+              <a:rPr lang="zh-CN" altLang="en-US" smtClean="0"/>
+              <a:pPr/>
+              <a:t>2019/8/2</a:t>
+            </a:fld>
+            <a:endParaRPr lang="zh-CN" altLang="en-US"/>
+          </a:p>
+        </p:txBody>
+      </p:sp>
+      <p:sp>
+        <p:nvSpPr>
+          <p:cNvPr id="5" name="Slide Number Placeholder 4"/>
+          <p:cNvSpPr>
+            <a:spLocks noGrp="1"/>
+          </p:cNvSpPr>
+          <p:nvPr>
+            <p:ph type="sldNum" sz="quarter" idx="12"/>
+          </p:nvPr>
+        </p:nvSpPr>
+        <p:spPr/>
+        <p:txBody>
+          <a:bodyPr/>
+          <a:lstStyle/>
+          <a:p>
+            <a:fld id="{B3D1565B-4E83-45B7-9B19-292BF6FE1A2E}" type="slidenum">
+              <a:rPr lang="zh-CN" altLang="en-US" smtClean="0"/>
+              <a:pPr/>
+              <a:t>7</a:t>
+            </a:fld>
+            <a:endParaRPr lang="zh-CN" altLang="en-US"/>
+          </a:p>
+        </p:txBody>
+      </p:sp>
+    </p:spTree>
+    <p:extLst>
+      <p:ext uri="{BB962C8B-B14F-4D97-AF65-F5344CB8AC3E}">
+        <p14:creationId xmlns:p14="http://schemas.microsoft.com/office/powerpoint/2010/main" val="140856753"/>
+      </p:ext>
+    </p:extLst>
+  </p:cSld>
+  <p:clrMapOvr>
+    <a:masterClrMapping/>
+  </p:clrMapOvr>
+</p:sld>
+</file>
+
+<file path=ppt/slides/slide8.xml><?xml version="1.0" encoding="utf-8"?>
+<p:sld xmlns:a="http://schemas.openxmlformats.org/drawingml/2006/main" xmlns:r="http://schemas.openxmlformats.org/officeDocument/2006/relationships" xmlns:p="http://schemas.openxmlformats.org/presentationml/2006/main">
+  <p:cSld>
+    <p:spTree>
+      <p:nvGrpSpPr>
+        <p:cNvPr id="1" name=""/>
+        <p:cNvGrpSpPr/>
+        <p:nvPr/>
+      </p:nvGrpSpPr>
+      <p:grpSpPr>
+        <a:xfrm>
+          <a:off x="0" y="0"/>
+          <a:ext cx="0" cy="0"/>
+          <a:chOff x="0" y="0"/>
+          <a:chExt cx="0" cy="0"/>
+        </a:xfrm>
+      </p:grpSpPr>
+      <p:sp>
+        <p:nvSpPr>
+          <p:cNvPr id="2" name="Title 1"/>
+          <p:cNvSpPr>
+            <a:spLocks noGrp="1"/>
+          </p:cNvSpPr>
+          <p:nvPr>
+            <p:ph type="title"/>
+          </p:nvPr>
+        </p:nvSpPr>
+        <p:spPr/>
+        <p:txBody>
+          <a:bodyPr/>
+          <a:lstStyle/>
+          <a:p>
+            <a:r>
+              <a:rPr lang="zh-CN" altLang="en-US" dirty="0"/>
+              <a:t>堆排序</a:t>
+            </a:r>
+            <a:r>
+              <a:rPr lang="en-US" altLang="zh-CN" dirty="0"/>
+              <a:t>(Heapsort)</a:t>
+            </a:r>
+            <a:endParaRPr lang="en-US" dirty="0"/>
+          </a:p>
+        </p:txBody>
+      </p:sp>
+      <p:sp>
+        <p:nvSpPr>
+          <p:cNvPr id="3" name="Content Placeholder 2"/>
+          <p:cNvSpPr>
+            <a:spLocks noGrp="1"/>
+          </p:cNvSpPr>
+          <p:nvPr>
+            <p:ph idx="1"/>
+          </p:nvPr>
+        </p:nvSpPr>
+        <p:spPr>
+          <a:xfrm>
+            <a:off x="457200" y="1124745"/>
+            <a:ext cx="3466728" cy="4320479"/>
+          </a:xfrm>
+        </p:spPr>
+        <p:txBody>
+          <a:bodyPr>
+            <a:normAutofit/>
+          </a:bodyPr>
+          <a:lstStyle/>
+          <a:p>
+            <a:r>
+              <a:rPr lang="en-US" sz="1100" dirty="0">
+                <a:hlinkClick r:id="rId2"/>
+              </a:rPr>
+              <a:t>https://</a:t>
+            </a:r>
+            <a:r>
+              <a:rPr lang="en-US" sz="1100" dirty="0" smtClean="0">
+                <a:hlinkClick r:id="rId2"/>
+              </a:rPr>
+              <a:t>github.com/li-shengli/demo_code.git</a:t>
+            </a:r>
+            <a:endParaRPr lang="en-US" sz="1100" dirty="0" smtClean="0"/>
+          </a:p>
+          <a:p>
+            <a:endParaRPr lang="en-US" sz="1100" dirty="0"/>
+          </a:p>
+          <a:p>
+            <a:r>
+              <a:rPr lang="zh-CN" altLang="en-US" sz="1100" dirty="0"/>
+              <a:t>总</a:t>
+            </a:r>
+            <a:r>
+              <a:rPr lang="zh-CN" altLang="en-US" sz="1100" dirty="0" smtClean="0"/>
+              <a:t>体复杂度</a:t>
+            </a:r>
+            <a:r>
+              <a:rPr lang="en-US" altLang="zh-CN" sz="1100" dirty="0" smtClean="0"/>
+              <a:t>O(</a:t>
+            </a:r>
+            <a:r>
+              <a:rPr lang="en-US" altLang="zh-CN" sz="1100" dirty="0" err="1" smtClean="0"/>
+              <a:t>nlogn</a:t>
+            </a:r>
+            <a:r>
+              <a:rPr lang="en-US" altLang="zh-CN" sz="1100" smtClean="0"/>
+              <a:t>)</a:t>
+            </a:r>
+            <a:endParaRPr lang="en-US" sz="1100" dirty="0"/>
+          </a:p>
+        </p:txBody>
+      </p:sp>
+      <p:sp>
+        <p:nvSpPr>
+          <p:cNvPr id="4" name="Date Placeholder 3"/>
+          <p:cNvSpPr>
+            <a:spLocks noGrp="1"/>
+          </p:cNvSpPr>
+          <p:nvPr>
+            <p:ph type="dt" sz="half" idx="10"/>
+          </p:nvPr>
+        </p:nvSpPr>
+        <p:spPr/>
+        <p:txBody>
+          <a:bodyPr/>
+          <a:lstStyle/>
+          <a:p>
+            <a:fld id="{4EE09118-F6C0-44B1-AEB0-E70B108D11CB}" type="datetime1">
+              <a:rPr lang="zh-CN" altLang="en-US" smtClean="0"/>
+              <a:pPr/>
+              <a:t>2019/8/2</a:t>
+            </a:fld>
+            <a:endParaRPr lang="zh-CN" altLang="en-US"/>
+          </a:p>
+        </p:txBody>
+      </p:sp>
+      <p:sp>
+        <p:nvSpPr>
+          <p:cNvPr id="5" name="Slide Number Placeholder 4"/>
+          <p:cNvSpPr>
+            <a:spLocks noGrp="1"/>
+          </p:cNvSpPr>
+          <p:nvPr>
+            <p:ph type="sldNum" sz="quarter" idx="12"/>
+          </p:nvPr>
+        </p:nvSpPr>
+        <p:spPr/>
+        <p:txBody>
+          <a:bodyPr/>
+          <a:lstStyle/>
+          <a:p>
+            <a:fld id="{B3D1565B-4E83-45B7-9B19-292BF6FE1A2E}" type="slidenum">
+              <a:rPr lang="zh-CN" altLang="en-US" smtClean="0"/>
+              <a:pPr/>
+              <a:t>8</a:t>
+            </a:fld>
+            <a:endParaRPr lang="zh-CN" altLang="en-US"/>
+          </a:p>
+        </p:txBody>
+      </p:sp>
+      <p:pic>
+        <p:nvPicPr>
+          <p:cNvPr id="6" name="Picture 5"/>
+          <p:cNvPicPr>
+            <a:picLocks noChangeAspect="1"/>
+          </p:cNvPicPr>
+          <p:nvPr/>
+        </p:nvPicPr>
+        <p:blipFill>
+          <a:blip r:embed="rId3"/>
+          <a:stretch>
+            <a:fillRect/>
+          </a:stretch>
+        </p:blipFill>
+        <p:spPr>
+          <a:xfrm>
+            <a:off x="4153692" y="116632"/>
+            <a:ext cx="4799016" cy="6690078"/>
+          </a:xfrm>
+          <a:prstGeom prst="rect">
+            <a:avLst/>
+          </a:prstGeom>
+        </p:spPr>
+      </p:pic>
+    </p:spTree>
+    <p:extLst>
+      <p:ext uri="{BB962C8B-B14F-4D97-AF65-F5344CB8AC3E}">
+        <p14:creationId xmlns:p14="http://schemas.microsoft.com/office/powerpoint/2010/main" val="1217467481"/>
       </p:ext>
     </p:extLst>
   </p:cSld>
